--- a/nodejs.pptx
+++ b/nodejs.pptx
@@ -4605,6 +4605,50 @@
           </a:p>
         </p:txBody>
       </p:sp>
+      <p:sp>
+        <p:nvSpPr>
+          <p:cNvPr id="3" name="Szövegdoboz 2">
+            <a:extLst>
+              <a:ext uri="{FF2B5EF4-FFF2-40B4-BE49-F238E27FC236}">
+                <a16:creationId xmlns:a16="http://schemas.microsoft.com/office/drawing/2014/main" id="{9A94E245-C4CE-17ED-857A-B63F41BF09B8}"/>
+              </a:ext>
+            </a:extLst>
+          </p:cNvPr>
+          <p:cNvSpPr txBox="1"/>
+          <p:nvPr/>
+        </p:nvSpPr>
+        <p:spPr>
+          <a:xfrm>
+            <a:off x="3695298" y="404120"/>
+            <a:ext cx="1740798" cy="646331"/>
+          </a:xfrm>
+          <a:prstGeom prst="rect">
+            <a:avLst/>
+          </a:prstGeom>
+          <a:noFill/>
+        </p:spPr>
+        <p:txBody>
+          <a:bodyPr wrap="none" rtlCol="0">
+            <a:spAutoFit/>
+          </a:bodyPr>
+          <a:lstStyle/>
+          <a:p>
+            <a:r>
+              <a:rPr lang="hu-HU" sz="3600" b="1" dirty="0" err="1">
+                <a:solidFill>
+                  <a:srgbClr val="FFFF00"/>
+                </a:solidFill>
+              </a:rPr>
+              <a:t>Streams</a:t>
+            </a:r>
+            <a:endParaRPr lang="hu-HU" sz="3600" b="1" dirty="0">
+              <a:solidFill>
+                <a:srgbClr val="FFFF00"/>
+              </a:solidFill>
+            </a:endParaRPr>
+          </a:p>
+        </p:txBody>
+      </p:sp>
     </p:spTree>
     <p:extLst>
       <p:ext uri="{BB962C8B-B14F-4D97-AF65-F5344CB8AC3E}">
@@ -4668,7 +4712,7 @@
         <p:spPr>
           <a:xfrm>
             <a:off x="179512" y="1321604"/>
-            <a:ext cx="9361040" cy="523220"/>
+            <a:ext cx="9361040" cy="954107"/>
           </a:xfrm>
           <a:prstGeom prst="rect">
             <a:avLst/>
@@ -4755,6 +4799,16 @@
               </a:solidFill>
             </a:endParaRPr>
           </a:p>
+          <a:p>
+            <a:r>
+              <a:rPr lang="hu-HU" sz="2800" dirty="0">
+                <a:solidFill>
+                  <a:schemeClr val="bg1"/>
+                </a:solidFill>
+              </a:rPr>
+              <a:t>    (C/C++)</a:t>
+            </a:r>
+          </a:p>
         </p:txBody>
       </p:sp>
       <p:sp>
@@ -4765,7 +4819,7 @@
         </p:nvSpPr>
         <p:spPr>
           <a:xfrm>
-            <a:off x="179512" y="2041684"/>
+            <a:off x="179512" y="2257708"/>
             <a:ext cx="6384376" cy="523220"/>
           </a:xfrm>
           <a:prstGeom prst="rect">
@@ -4805,7 +4859,7 @@
                   <a:srgbClr val="FFFF00"/>
                 </a:solidFill>
               </a:rPr>
-              <a:t>enginge</a:t>
+              <a:t>engine</a:t>
             </a:r>
             <a:r>
               <a:rPr lang="hu-HU" sz="2800" dirty="0">
@@ -6790,7 +6844,7 @@
                   <a:schemeClr val="bg1"/>
                 </a:solidFill>
               </a:rPr>
-              <a:t>; .</a:t>
+              <a:t>; </a:t>
             </a:r>
             <a:r>
               <a:rPr lang="hu-HU" sz="2400" dirty="0" err="1">
@@ -7599,6 +7653,46 @@
           </a:p>
         </p:txBody>
       </p:sp>
+      <p:sp>
+        <p:nvSpPr>
+          <p:cNvPr id="5" name="Szövegdoboz 4">
+            <a:extLst>
+              <a:ext uri="{FF2B5EF4-FFF2-40B4-BE49-F238E27FC236}">
+                <a16:creationId xmlns:a16="http://schemas.microsoft.com/office/drawing/2014/main" id="{28C950F0-6CBE-3195-65B6-16A0ED6E6633}"/>
+              </a:ext>
+            </a:extLst>
+          </p:cNvPr>
+          <p:cNvSpPr txBox="1"/>
+          <p:nvPr/>
+        </p:nvSpPr>
+        <p:spPr>
+          <a:xfrm>
+            <a:off x="224200" y="4561964"/>
+            <a:ext cx="2331576" cy="523220"/>
+          </a:xfrm>
+          <a:prstGeom prst="rect">
+            <a:avLst/>
+          </a:prstGeom>
+          <a:noFill/>
+        </p:spPr>
+        <p:txBody>
+          <a:bodyPr wrap="square">
+            <a:spAutoFit/>
+          </a:bodyPr>
+          <a:lstStyle/>
+          <a:p>
+            <a:r>
+              <a:rPr lang="hu-HU" sz="2800" dirty="0">
+                <a:solidFill>
+                  <a:srgbClr val="FF0000"/>
+                </a:solidFill>
+              </a:rPr>
+              <a:t>(index4.js)</a:t>
+            </a:r>
+            <a:endParaRPr lang="en-US" sz="2800" dirty="0"/>
+          </a:p>
+        </p:txBody>
+      </p:sp>
     </p:spTree>
     <p:extLst>
       <p:ext uri="{BB962C8B-B14F-4D97-AF65-F5344CB8AC3E}">
@@ -7810,6 +7904,33 @@
                                   </p:childTnLst>
                                 </p:cTn>
                               </p:par>
+                              <p:par>
+                                <p:cTn id="19" presetID="1" presetClass="entr" presetSubtype="0" fill="hold" grpId="0" nodeType="withEffect">
+                                  <p:stCondLst>
+                                    <p:cond delay="0"/>
+                                  </p:stCondLst>
+                                  <p:childTnLst>
+                                    <p:set>
+                                      <p:cBhvr>
+                                        <p:cTn id="20" dur="1" fill="hold">
+                                          <p:stCondLst>
+                                            <p:cond delay="0"/>
+                                          </p:stCondLst>
+                                        </p:cTn>
+                                        <p:tgtEl>
+                                          <p:spTgt spid="5"/>
+                                        </p:tgtEl>
+                                        <p:attrNameLst>
+                                          <p:attrName>style.visibility</p:attrName>
+                                        </p:attrNameLst>
+                                      </p:cBhvr>
+                                      <p:to>
+                                        <p:strVal val="visible"/>
+                                      </p:to>
+                                    </p:set>
+                                  </p:childTnLst>
+                                </p:cTn>
+                              </p:par>
                             </p:childTnLst>
                           </p:cTn>
                         </p:par>
@@ -7837,6 +7958,9 @@
         </p:cTn>
       </p:par>
     </p:tnLst>
+    <p:bldLst>
+      <p:bldP spid="5" grpId="0"/>
+    </p:bldLst>
   </p:timing>
 </p:sld>
 </file>
@@ -8365,7 +8489,7 @@
         </p:nvSpPr>
         <p:spPr>
           <a:xfrm>
-            <a:off x="1961971" y="476309"/>
+            <a:off x="1961971" y="404120"/>
             <a:ext cx="5562357" cy="646331"/>
           </a:xfrm>
           <a:prstGeom prst="rect">
@@ -8429,7 +8553,7 @@
         <p:spPr>
           <a:xfrm>
             <a:off x="576064" y="4417948"/>
-            <a:ext cx="4572000" cy="523220"/>
+            <a:ext cx="5580112" cy="523220"/>
           </a:xfrm>
           <a:prstGeom prst="rect">
             <a:avLst/>
@@ -8448,7 +8572,23 @@
                   <a:srgbClr val="FF0000"/>
                 </a:solidFill>
               </a:rPr>
-              <a:t>(index6.js + Postman)</a:t>
+              <a:t>(index6.js + Postman + </a:t>
+            </a:r>
+            <a:r>
+              <a:rPr lang="hu-HU" sz="2800" dirty="0" err="1">
+                <a:solidFill>
+                  <a:srgbClr val="FF0000"/>
+                </a:solidFill>
+              </a:rPr>
+              <a:t>nodemon</a:t>
+            </a:r>
+            <a:r>
+              <a:rPr lang="hu-HU" sz="2800" dirty="0">
+                <a:solidFill>
+                  <a:srgbClr val="FF0000"/>
+                </a:solidFill>
+              </a:rPr>
+              <a:t>)</a:t>
             </a:r>
             <a:endParaRPr lang="en-US" sz="2800" dirty="0">
               <a:solidFill>
